--- a/数据结构答辩.pptx
+++ b/数据结构答辩.pptx
@@ -227,7 +227,7 @@
           <a:p>
             <a:fld id="{777DADD1-A361-478B-9690-0EC95E814CEF}" type="datetimeFigureOut">
               <a:rPr lang="zh-CN" altLang="en-US" smtClean="0"/>
-              <a:t>2019/12/19</a:t>
+              <a:t>2020/5/18</a:t>
             </a:fld>
             <a:endParaRPr lang="zh-CN" altLang="en-US"/>
           </a:p>
@@ -641,7 +641,7 @@
           <a:p>
             <a:fld id="{70A9B6E3-5A9D-464B-91B8-611F5EE7FBD1}" type="datetimeFigureOut">
               <a:rPr lang="zh-CN" altLang="en-US" smtClean="0"/>
-              <a:t>2019/12/19</a:t>
+              <a:t>2020/5/18</a:t>
             </a:fld>
             <a:endParaRPr lang="zh-CN" altLang="en-US"/>
           </a:p>
@@ -851,7 +851,7 @@
           <a:p>
             <a:fld id="{70A9B6E3-5A9D-464B-91B8-611F5EE7FBD1}" type="datetimeFigureOut">
               <a:rPr lang="zh-CN" altLang="en-US" smtClean="0"/>
-              <a:t>2019/12/19</a:t>
+              <a:t>2020/5/18</a:t>
             </a:fld>
             <a:endParaRPr lang="zh-CN" altLang="en-US"/>
           </a:p>
@@ -1071,7 +1071,7 @@
           <a:p>
             <a:fld id="{70A9B6E3-5A9D-464B-91B8-611F5EE7FBD1}" type="datetimeFigureOut">
               <a:rPr lang="zh-CN" altLang="en-US" smtClean="0"/>
-              <a:t>2019/12/19</a:t>
+              <a:t>2020/5/18</a:t>
             </a:fld>
             <a:endParaRPr lang="zh-CN" altLang="en-US"/>
           </a:p>
@@ -1281,7 +1281,7 @@
           <a:p>
             <a:fld id="{70A9B6E3-5A9D-464B-91B8-611F5EE7FBD1}" type="datetimeFigureOut">
               <a:rPr lang="zh-CN" altLang="en-US" smtClean="0"/>
-              <a:t>2019/12/19</a:t>
+              <a:t>2020/5/18</a:t>
             </a:fld>
             <a:endParaRPr lang="zh-CN" altLang="en-US"/>
           </a:p>
@@ -1568,7 +1568,7 @@
           <a:p>
             <a:fld id="{70A9B6E3-5A9D-464B-91B8-611F5EE7FBD1}" type="datetimeFigureOut">
               <a:rPr lang="zh-CN" altLang="en-US" smtClean="0"/>
-              <a:t>2019/12/19</a:t>
+              <a:t>2020/5/18</a:t>
             </a:fld>
             <a:endParaRPr lang="zh-CN" altLang="en-US"/>
           </a:p>
@@ -1845,7 +1845,7 @@
           <a:p>
             <a:fld id="{70A9B6E3-5A9D-464B-91B8-611F5EE7FBD1}" type="datetimeFigureOut">
               <a:rPr lang="zh-CN" altLang="en-US" smtClean="0"/>
-              <a:t>2019/12/19</a:t>
+              <a:t>2020/5/18</a:t>
             </a:fld>
             <a:endParaRPr lang="zh-CN" altLang="en-US"/>
           </a:p>
@@ -2269,7 +2269,7 @@
           <a:p>
             <a:fld id="{70A9B6E3-5A9D-464B-91B8-611F5EE7FBD1}" type="datetimeFigureOut">
               <a:rPr lang="zh-CN" altLang="en-US" smtClean="0"/>
-              <a:t>2019/12/19</a:t>
+              <a:t>2020/5/18</a:t>
             </a:fld>
             <a:endParaRPr lang="zh-CN" altLang="en-US"/>
           </a:p>
@@ -2422,7 +2422,7 @@
           <a:p>
             <a:fld id="{70A9B6E3-5A9D-464B-91B8-611F5EE7FBD1}" type="datetimeFigureOut">
               <a:rPr lang="zh-CN" altLang="en-US" smtClean="0"/>
-              <a:t>2019/12/19</a:t>
+              <a:t>2020/5/18</a:t>
             </a:fld>
             <a:endParaRPr lang="zh-CN" altLang="en-US"/>
           </a:p>
@@ -2547,7 +2547,7 @@
           <a:p>
             <a:fld id="{70A9B6E3-5A9D-464B-91B8-611F5EE7FBD1}" type="datetimeFigureOut">
               <a:rPr lang="zh-CN" altLang="en-US" smtClean="0"/>
-              <a:t>2019/12/19</a:t>
+              <a:t>2020/5/18</a:t>
             </a:fld>
             <a:endParaRPr lang="zh-CN" altLang="en-US"/>
           </a:p>
@@ -2870,7 +2870,7 @@
           <a:p>
             <a:fld id="{70A9B6E3-5A9D-464B-91B8-611F5EE7FBD1}" type="datetimeFigureOut">
               <a:rPr lang="zh-CN" altLang="en-US" smtClean="0"/>
-              <a:t>2019/12/19</a:t>
+              <a:t>2020/5/18</a:t>
             </a:fld>
             <a:endParaRPr lang="zh-CN" altLang="en-US"/>
           </a:p>
@@ -3170,7 +3170,7 @@
           <a:p>
             <a:fld id="{70A9B6E3-5A9D-464B-91B8-611F5EE7FBD1}" type="datetimeFigureOut">
               <a:rPr lang="zh-CN" altLang="en-US" smtClean="0"/>
-              <a:t>2019/12/19</a:t>
+              <a:t>2020/5/18</a:t>
             </a:fld>
             <a:endParaRPr lang="zh-CN" altLang="en-US"/>
           </a:p>
@@ -3423,7 +3423,7 @@
           <a:p>
             <a:fld id="{70A9B6E3-5A9D-464B-91B8-611F5EE7FBD1}" type="datetimeFigureOut">
               <a:rPr lang="zh-CN" altLang="en-US" smtClean="0"/>
-              <a:t>2019/12/19</a:t>
+              <a:t>2020/5/18</a:t>
             </a:fld>
             <a:endParaRPr lang="zh-CN" altLang="en-US"/>
           </a:p>
@@ -4074,60 +4074,6 @@
           </a:fontRef>
         </p:style>
       </p:cxnSp>
-      <p:sp>
-        <p:nvSpPr>
-          <p:cNvPr id="5" name="文本框 4"/>
-          <p:cNvSpPr txBox="1"/>
-          <p:nvPr/>
-        </p:nvSpPr>
-        <p:spPr>
-          <a:xfrm>
-            <a:off x="6872665" y="4528868"/>
-            <a:ext cx="2124685" cy="369332"/>
-          </a:xfrm>
-          <a:prstGeom prst="rect">
-            <a:avLst/>
-          </a:prstGeom>
-          <a:noFill/>
-        </p:spPr>
-        <p:txBody>
-          <a:bodyPr wrap="square" rtlCol="0">
-            <a:spAutoFit/>
-          </a:bodyPr>
-          <a:lstStyle/>
-          <a:p>
-            <a:r>
-              <a:rPr lang="zh-CN" altLang="en-US" dirty="0" smtClean="0">
-                <a:solidFill>
-                  <a:schemeClr val="bg1"/>
-                </a:solidFill>
-              </a:rPr>
-              <a:t>软件</a:t>
-            </a:r>
-            <a:r>
-              <a:rPr lang="en-US" altLang="zh-CN" dirty="0" smtClean="0">
-                <a:solidFill>
-                  <a:schemeClr val="bg1"/>
-                </a:solidFill>
-              </a:rPr>
-              <a:t>1805   </a:t>
-            </a:r>
-            <a:r>
-              <a:rPr lang="zh-CN" altLang="en-US" dirty="0" smtClean="0">
-                <a:solidFill>
-                  <a:schemeClr val="bg1"/>
-                </a:solidFill>
-              </a:rPr>
-              <a:t>张旭</a:t>
-            </a:r>
-            <a:endParaRPr lang="zh-CN" altLang="en-US" dirty="0">
-              <a:solidFill>
-                <a:schemeClr val="bg1"/>
-              </a:solidFill>
-            </a:endParaRPr>
-          </a:p>
-        </p:txBody>
-      </p:sp>
     </p:spTree>
     <p:extLst>
       <p:ext uri="{BB962C8B-B14F-4D97-AF65-F5344CB8AC3E}">
@@ -42703,7 +42649,7 @@
           <a:graphicData uri="http://schemas.openxmlformats.org/presentationml/2006/ole">
             <mc:AlternateContent xmlns:mc="http://schemas.openxmlformats.org/markup-compatibility/2006">
               <mc:Choice xmlns:v="urn:schemas-microsoft-com:vml" Requires="v">
-                <p:oleObj spid="_x0000_s1035" r:id="rId5" imgW="2599690" imgH="932180" progId="Visio.Drawing.11">
+                <p:oleObj spid="_x0000_s1038" r:id="rId5" imgW="2599690" imgH="932180" progId="Visio.Drawing.11">
                   <p:embed/>
                 </p:oleObj>
               </mc:Choice>
